--- a/201840136_최현종_PHP_2주차.pptx
+++ b/201840136_최현종_PHP_2주차.pptx
@@ -18,9 +18,6 @@
     <p:sldId id="266" r:id="rId12"/>
     <p:sldId id="267" r:id="rId13"/>
     <p:sldId id="268" r:id="rId14"/>
-    <p:sldId id="269" r:id="rId15"/>
-    <p:sldId id="270" r:id="rId16"/>
-    <p:sldId id="271" r:id="rId17"/>
   </p:sldIdLst>
   <p:sldSz cx="12192000" cy="6858000"/>
   <p:notesSz cx="6858000" cy="9144000"/>
@@ -868,7 +865,7 @@
             <a:fld id="{B61BEF0D-F0BB-DE4B-95CE-6DB70DBA9567}" type="datetimeFigureOut">
               <a:rPr lang="en-US" dirty="0"/>
               <a:pPr/>
-              <a:t>9/9/2019</a:t>
+              <a:t>9/24/2019</a:t>
             </a:fld>
             <a:endParaRPr lang="en-US" dirty="0"/>
           </a:p>
@@ -1116,7 +1113,7 @@
             <a:fld id="{B61BEF0D-F0BB-DE4B-95CE-6DB70DBA9567}" type="datetimeFigureOut">
               <a:rPr lang="en-US" dirty="0"/>
               <a:pPr/>
-              <a:t>9/9/2019</a:t>
+              <a:t>9/24/2019</a:t>
             </a:fld>
             <a:endParaRPr lang="en-US" dirty="0"/>
           </a:p>
@@ -1427,7 +1424,7 @@
             <a:fld id="{B61BEF0D-F0BB-DE4B-95CE-6DB70DBA9567}" type="datetimeFigureOut">
               <a:rPr lang="en-US" dirty="0"/>
               <a:pPr/>
-              <a:t>9/9/2019</a:t>
+              <a:t>9/24/2019</a:t>
             </a:fld>
             <a:endParaRPr lang="en-US" dirty="0"/>
           </a:p>
@@ -1757,7 +1754,7 @@
             <a:fld id="{B61BEF0D-F0BB-DE4B-95CE-6DB70DBA9567}" type="datetimeFigureOut">
               <a:rPr lang="en-US" dirty="0"/>
               <a:pPr/>
-              <a:t>9/9/2019</a:t>
+              <a:t>9/24/2019</a:t>
             </a:fld>
             <a:endParaRPr lang="en-US" dirty="0"/>
           </a:p>
@@ -2068,7 +2065,7 @@
             <a:fld id="{B61BEF0D-F0BB-DE4B-95CE-6DB70DBA9567}" type="datetimeFigureOut">
               <a:rPr lang="en-US" dirty="0"/>
               <a:pPr/>
-              <a:t>9/9/2019</a:t>
+              <a:t>9/24/2019</a:t>
             </a:fld>
             <a:endParaRPr lang="en-US" dirty="0"/>
           </a:p>
@@ -2458,7 +2455,7 @@
             <a:fld id="{B61BEF0D-F0BB-DE4B-95CE-6DB70DBA9567}" type="datetimeFigureOut">
               <a:rPr lang="en-US" dirty="0"/>
               <a:pPr/>
-              <a:t>9/9/2019</a:t>
+              <a:t>9/24/2019</a:t>
             </a:fld>
             <a:endParaRPr lang="en-US" dirty="0"/>
           </a:p>
@@ -2624,7 +2621,7 @@
           <a:p>
             <a:fld id="{55C6B4A9-1611-4792-9094-5F34BCA07E0B}" type="datetimeFigureOut">
               <a:rPr lang="en-US" dirty="0"/>
-              <a:t>9/9/2019</a:t>
+              <a:t>9/24/2019</a:t>
             </a:fld>
             <a:endParaRPr lang="en-US" dirty="0"/>
           </a:p>
@@ -2800,7 +2797,7 @@
             <a:fld id="{B61BEF0D-F0BB-DE4B-95CE-6DB70DBA9567}" type="datetimeFigureOut">
               <a:rPr lang="en-US" dirty="0"/>
               <a:pPr/>
-              <a:t>9/9/2019</a:t>
+              <a:t>9/24/2019</a:t>
             </a:fld>
             <a:endParaRPr lang="en-US" dirty="0"/>
           </a:p>
@@ -2966,7 +2963,7 @@
           <a:p>
             <a:fld id="{42A54C80-263E-416B-A8E0-580EDEADCBDC}" type="datetimeFigureOut">
               <a:rPr lang="en-US" dirty="0"/>
-              <a:t>9/9/2019</a:t>
+              <a:t>9/24/2019</a:t>
             </a:fld>
             <a:endParaRPr lang="en-US" dirty="0"/>
           </a:p>
@@ -3209,7 +3206,7 @@
             <a:fld id="{B61BEF0D-F0BB-DE4B-95CE-6DB70DBA9567}" type="datetimeFigureOut">
               <a:rPr lang="en-US" dirty="0"/>
               <a:pPr/>
-              <a:t>9/9/2019</a:t>
+              <a:t>9/24/2019</a:t>
             </a:fld>
             <a:endParaRPr lang="en-US" dirty="0"/>
           </a:p>
@@ -3437,7 +3434,7 @@
           <a:p>
             <a:fld id="{42A54C80-263E-416B-A8E0-580EDEADCBDC}" type="datetimeFigureOut">
               <a:rPr lang="en-US" dirty="0"/>
-              <a:t>9/9/2019</a:t>
+              <a:t>9/24/2019</a:t>
             </a:fld>
             <a:endParaRPr lang="en-US" dirty="0"/>
           </a:p>
@@ -3807,7 +3804,7 @@
             <a:fld id="{B61BEF0D-F0BB-DE4B-95CE-6DB70DBA9567}" type="datetimeFigureOut">
               <a:rPr lang="en-US" dirty="0"/>
               <a:pPr/>
-              <a:t>9/9/2019</a:t>
+              <a:t>9/24/2019</a:t>
             </a:fld>
             <a:endParaRPr lang="en-US" dirty="0"/>
           </a:p>
@@ -3927,7 +3924,7 @@
             <a:fld id="{B61BEF0D-F0BB-DE4B-95CE-6DB70DBA9567}" type="datetimeFigureOut">
               <a:rPr lang="en-US" dirty="0"/>
               <a:pPr/>
-              <a:t>9/9/2019</a:t>
+              <a:t>9/24/2019</a:t>
             </a:fld>
             <a:endParaRPr lang="en-US" dirty="0"/>
           </a:p>
@@ -4019,7 +4016,7 @@
             <a:fld id="{B61BEF0D-F0BB-DE4B-95CE-6DB70DBA9567}" type="datetimeFigureOut">
               <a:rPr lang="en-US" dirty="0"/>
               <a:pPr/>
-              <a:t>9/9/2019</a:t>
+              <a:t>9/24/2019</a:t>
             </a:fld>
             <a:endParaRPr lang="en-US" dirty="0"/>
           </a:p>
@@ -4270,7 +4267,7 @@
           <a:p>
             <a:fld id="{42A54C80-263E-416B-A8E0-580EDEADCBDC}" type="datetimeFigureOut">
               <a:rPr lang="en-US" dirty="0"/>
-              <a:t>9/9/2019</a:t>
+              <a:t>9/24/2019</a:t>
             </a:fld>
             <a:endParaRPr lang="en-US" dirty="0"/>
           </a:p>
@@ -4572,7 +4569,7 @@
             <a:fld id="{B61BEF0D-F0BB-DE4B-95CE-6DB70DBA9567}" type="datetimeFigureOut">
               <a:rPr lang="en-US" dirty="0"/>
               <a:pPr/>
-              <a:t>9/9/2019</a:t>
+              <a:t>9/24/2019</a:t>
             </a:fld>
             <a:endParaRPr lang="en-US" dirty="0"/>
           </a:p>
@@ -5270,7 +5267,7 @@
             <a:fld id="{B61BEF0D-F0BB-DE4B-95CE-6DB70DBA9567}" type="datetimeFigureOut">
               <a:rPr lang="en-US" dirty="0"/>
               <a:pPr/>
-              <a:t>9/9/2019</a:t>
+              <a:t>9/24/2019</a:t>
             </a:fld>
             <a:endParaRPr lang="en-US" dirty="0"/>
           </a:p>
@@ -5839,7 +5836,7 @@
     </p:spTree>
     <p:extLst>
       <p:ext uri="{BB962C8B-B14F-4D97-AF65-F5344CB8AC3E}">
-        <p14:creationId xmlns:p14="http://schemas.microsoft.com/office/powerpoint/2010/main" val="2092498579"/>
+        <p14:creationId xmlns:p14="http://schemas.microsoft.com/office/powerpoint/2010/main" val="688329223"/>
       </p:ext>
     </p:extLst>
   </p:cSld>
@@ -5884,28 +5881,29 @@
           <a:lstStyle/>
           <a:p>
             <a:r>
+              <a:rPr lang="en-US" altLang="ko-KR" dirty="0"/>
+              <a:t>9. </a:t>
+            </a:r>
+            <a:r>
+              <a:rPr lang="ko-KR" altLang="en-US" dirty="0"/>
+              <a:t>함수 </a:t>
+            </a:r>
+            <a:r>
               <a:rPr lang="ko-KR" altLang="en-US" dirty="0" err="1"/>
-              <a:t>중복사용이</a:t>
+              <a:t>호출시</a:t>
             </a:r>
             <a:r>
               <a:rPr lang="ko-KR" altLang="en-US" dirty="0"/>
-              <a:t> 불가능 하므로 </a:t>
+              <a:t> 초기값을 설정해서 출력할 수 있다</a:t>
             </a:r>
             <a:r>
               <a:rPr lang="en-US" altLang="ko-KR" dirty="0"/>
-              <a:t>if </a:t>
-            </a:r>
-            <a:r>
-              <a:rPr lang="ko-KR" altLang="en-US" dirty="0"/>
-              <a:t>문을 써서 화면에 </a:t>
+              <a:t>.</a:t>
             </a:r>
             <a:br>
-              <a:rPr lang="ko-KR" altLang="en-US" dirty="0"/>
+              <a:rPr lang="en-US" altLang="ko-KR" dirty="0"/>
             </a:br>
-            <a:r>
-              <a:rPr lang="ko-KR" altLang="en-US" dirty="0"/>
-              <a:t>나타낸다</a:t>
-            </a:r>
+            <a:endParaRPr lang="ko-KR" altLang="en-US" dirty="0"/>
           </a:p>
         </p:txBody>
       </p:sp>
@@ -5933,15 +5931,15 @@
         </p:blipFill>
         <p:spPr>
           <a:xfrm>
-            <a:off x="1525853" y="2160588"/>
-            <a:ext cx="6900332" cy="3881437"/>
+            <a:off x="1521213" y="2160588"/>
+            <a:ext cx="6909611" cy="3881437"/>
           </a:xfrm>
         </p:spPr>
       </p:pic>
     </p:spTree>
     <p:extLst>
       <p:ext uri="{BB962C8B-B14F-4D97-AF65-F5344CB8AC3E}">
-        <p14:creationId xmlns:p14="http://schemas.microsoft.com/office/powerpoint/2010/main" val="2459932491"/>
+        <p14:creationId xmlns:p14="http://schemas.microsoft.com/office/powerpoint/2010/main" val="1870804968"/>
       </p:ext>
     </p:extLst>
   </p:cSld>
@@ -5985,26 +5983,18 @@
           <a:p>
             <a:r>
               <a:rPr lang="en-US" altLang="ko-KR" dirty="0"/>
-              <a:t>conf</a:t>
-            </a:r>
-            <a:r>
-              <a:rPr lang="ko-KR" altLang="en-US" dirty="0" err="1"/>
-              <a:t>를</a:t>
+              <a:t>10. </a:t>
             </a:r>
             <a:r>
               <a:rPr lang="ko-KR" altLang="en-US" dirty="0"/>
-              <a:t> 이용해서 참</a:t>
+              <a:t>반환형을 뒤에다 지정할 수 있다</a:t>
             </a:r>
             <a:r>
               <a:rPr lang="en-US" altLang="ko-KR" dirty="0"/>
-              <a:t>, </a:t>
-            </a:r>
-            <a:r>
-              <a:rPr lang="ko-KR" altLang="en-US" dirty="0"/>
-              <a:t>거짓 나타내기</a:t>
+              <a:t>.</a:t>
             </a:r>
             <a:br>
-              <a:rPr lang="ko-KR" altLang="en-US" dirty="0"/>
+              <a:rPr lang="en-US" altLang="ko-KR" dirty="0"/>
             </a:br>
             <a:endParaRPr lang="ko-KR" altLang="en-US" dirty="0"/>
           </a:p>
@@ -6034,15 +6024,15 @@
         </p:blipFill>
         <p:spPr>
           <a:xfrm>
-            <a:off x="1525853" y="2160588"/>
-            <a:ext cx="6900332" cy="3881437"/>
+            <a:off x="677863" y="2165920"/>
+            <a:ext cx="8596312" cy="3870772"/>
           </a:xfrm>
         </p:spPr>
       </p:pic>
     </p:spTree>
     <p:extLst>
       <p:ext uri="{BB962C8B-B14F-4D97-AF65-F5344CB8AC3E}">
-        <p14:creationId xmlns:p14="http://schemas.microsoft.com/office/powerpoint/2010/main" val="3537729378"/>
+        <p14:creationId xmlns:p14="http://schemas.microsoft.com/office/powerpoint/2010/main" val="449287905"/>
       </p:ext>
     </p:extLst>
   </p:cSld>
@@ -6079,27 +6069,62 @@
             <p:ph type="title"/>
           </p:nvPr>
         </p:nvSpPr>
-        <p:spPr/>
-        <p:txBody>
-          <a:bodyPr/>
+        <p:spPr>
+          <a:xfrm>
+            <a:off x="677685" y="537411"/>
+            <a:ext cx="8596668" cy="1320800"/>
+          </a:xfrm>
+        </p:spPr>
+        <p:txBody>
+          <a:bodyPr>
+            <a:normAutofit fontScale="90000"/>
+          </a:bodyPr>
           <a:lstStyle/>
           <a:p>
             <a:r>
               <a:rPr lang="en-US" altLang="ko-KR" dirty="0"/>
-              <a:t>html </a:t>
+              <a:t>11. </a:t>
+            </a:r>
+            <a:r>
+              <a:rPr lang="ko-KR" altLang="en-US" dirty="0" err="1"/>
+              <a:t>상태패턴을</a:t>
             </a:r>
             <a:r>
               <a:rPr lang="ko-KR" altLang="en-US" dirty="0"/>
-              <a:t>코드와 </a:t>
+              <a:t> 사용하여 </a:t>
+            </a:r>
+            <a:r>
+              <a:rPr lang="ko-KR" altLang="en-US" dirty="0" err="1"/>
+              <a:t>스위치문을</a:t>
+            </a:r>
+            <a:r>
+              <a:rPr lang="ko-KR" altLang="en-US" dirty="0"/>
+              <a:t> </a:t>
+            </a:r>
+            <a:r>
+              <a:rPr lang="ko-KR" altLang="en-US" dirty="0" err="1"/>
+              <a:t>사용안하는것으로</a:t>
+            </a:r>
+            <a:r>
+              <a:rPr lang="ko-KR" altLang="en-US" dirty="0"/>
+              <a:t> </a:t>
+            </a:r>
+            <a:r>
+              <a:rPr lang="ko-KR" altLang="en-US" dirty="0" err="1"/>
+              <a:t>로딩시간을</a:t>
+            </a:r>
+            <a:r>
+              <a:rPr lang="ko-KR" altLang="en-US" dirty="0"/>
+              <a:t> 단축하는 장면이다</a:t>
             </a:r>
             <a:r>
               <a:rPr lang="en-US" altLang="ko-KR" dirty="0"/>
-              <a:t>php </a:t>
-            </a:r>
-            <a:r>
-              <a:rPr lang="ko-KR" altLang="en-US" dirty="0"/>
-              <a:t>코드를 분리한 화면</a:t>
-            </a:r>
+              <a:t>.</a:t>
+            </a:r>
+            <a:br>
+              <a:rPr lang="en-US" altLang="ko-KR" dirty="0"/>
+            </a:br>
+            <a:endParaRPr lang="ko-KR" altLang="en-US" dirty="0"/>
           </a:p>
         </p:txBody>
       </p:sp>
@@ -6135,7 +6160,7 @@
     </p:spTree>
     <p:extLst>
       <p:ext uri="{BB962C8B-B14F-4D97-AF65-F5344CB8AC3E}">
-        <p14:creationId xmlns:p14="http://schemas.microsoft.com/office/powerpoint/2010/main" val="735588338"/>
+        <p14:creationId xmlns:p14="http://schemas.microsoft.com/office/powerpoint/2010/main" val="620093944"/>
       </p:ext>
     </p:extLst>
   </p:cSld>
@@ -6179,32 +6204,19 @@
           <a:p>
             <a:r>
               <a:rPr lang="en-US" altLang="ko-KR" dirty="0"/>
-              <a:t>str_replace</a:t>
+              <a:t>12. </a:t>
+            </a:r>
+            <a:r>
+              <a:rPr lang="ko-KR" altLang="en-US" dirty="0" err="1"/>
+              <a:t>재귀함수</a:t>
             </a:r>
             <a:r>
               <a:rPr lang="ko-KR" altLang="en-US" dirty="0"/>
-              <a:t>로 </a:t>
-            </a:r>
-            <a:r>
-              <a:rPr lang="en-US" altLang="ko-KR" dirty="0"/>
-              <a:t>{{daelim}}</a:t>
-            </a:r>
-            <a:r>
+              <a:t/>
+            </a:r>
+            <a:br>
               <a:rPr lang="ko-KR" altLang="en-US" dirty="0"/>
-              <a:t>을 </a:t>
-            </a:r>
-            <a:r>
-              <a:rPr lang="ko-KR" altLang="en-US" dirty="0" err="1"/>
-              <a:t>대남이로</a:t>
-            </a:r>
-            <a:r>
-              <a:rPr lang="ko-KR" altLang="en-US" dirty="0"/>
-              <a:t> </a:t>
-            </a:r>
-            <a:r>
-              <a:rPr lang="ko-KR" altLang="en-US" dirty="0" err="1"/>
-              <a:t>바꾼화면</a:t>
-            </a:r>
+            </a:br>
             <a:endParaRPr lang="ko-KR" altLang="en-US" dirty="0"/>
           </a:p>
         </p:txBody>
@@ -6241,298 +6253,7 @@
     </p:spTree>
     <p:extLst>
       <p:ext uri="{BB962C8B-B14F-4D97-AF65-F5344CB8AC3E}">
-        <p14:creationId xmlns:p14="http://schemas.microsoft.com/office/powerpoint/2010/main" val="2789426736"/>
-      </p:ext>
-    </p:extLst>
-  </p:cSld>
-  <p:clrMapOvr>
-    <a:masterClrMapping/>
-  </p:clrMapOvr>
-</p:sld>
-</file>
-
-<file path=ppt/slides/slide14.xml><?xml version="1.0" encoding="utf-8"?>
-<p:sld xmlns:a="http://schemas.openxmlformats.org/drawingml/2006/main" xmlns:r="http://schemas.openxmlformats.org/officeDocument/2006/relationships" xmlns:p="http://schemas.openxmlformats.org/presentationml/2006/main">
-  <p:cSld>
-    <p:spTree>
-      <p:nvGrpSpPr>
-        <p:cNvPr id="1" name=""/>
-        <p:cNvGrpSpPr/>
-        <p:nvPr/>
-      </p:nvGrpSpPr>
-      <p:grpSpPr>
-        <a:xfrm>
-          <a:off x="0" y="0"/>
-          <a:ext cx="0" cy="0"/>
-          <a:chOff x="0" y="0"/>
-          <a:chExt cx="0" cy="0"/>
-        </a:xfrm>
-      </p:grpSpPr>
-      <p:sp>
-        <p:nvSpPr>
-          <p:cNvPr id="2" name="제목 1"/>
-          <p:cNvSpPr>
-            <a:spLocks noGrp="1"/>
-          </p:cNvSpPr>
-          <p:nvPr>
-            <p:ph type="title"/>
-          </p:nvPr>
-        </p:nvSpPr>
-        <p:spPr/>
-        <p:txBody>
-          <a:bodyPr>
-            <a:normAutofit fontScale="90000"/>
-          </a:bodyPr>
-          <a:lstStyle/>
-          <a:p>
-            <a:r>
-              <a:rPr lang="en-US" altLang="ko-KR" dirty="0"/>
-              <a:t>_GET</a:t>
-            </a:r>
-            <a:r>
-              <a:rPr lang="ko-KR" altLang="en-US" dirty="0"/>
-              <a:t>을 이용해서 </a:t>
-            </a:r>
-            <a:r>
-              <a:rPr lang="en-US" altLang="ko-KR" dirty="0"/>
-              <a:t>name</a:t>
-            </a:r>
-            <a:r>
-              <a:rPr lang="ko-KR" altLang="en-US" dirty="0"/>
-              <a:t>변수에 김민우 대입한 화면</a:t>
-            </a:r>
-            <a:br>
-              <a:rPr lang="ko-KR" altLang="en-US" dirty="0"/>
-            </a:br>
-            <a:endParaRPr lang="ko-KR" altLang="en-US" dirty="0"/>
-          </a:p>
-        </p:txBody>
-      </p:sp>
-      <p:pic>
-        <p:nvPicPr>
-          <p:cNvPr id="4" name="내용 개체 틀 3"/>
-          <p:cNvPicPr>
-            <a:picLocks noGrp="1" noChangeAspect="1"/>
-          </p:cNvPicPr>
-          <p:nvPr>
-            <p:ph idx="1"/>
-          </p:nvPr>
-        </p:nvPicPr>
-        <p:blipFill>
-          <a:blip r:embed="rId2">
-            <a:extLst>
-              <a:ext uri="{28A0092B-C50C-407E-A947-70E740481C1C}">
-                <a14:useLocalDpi xmlns:a14="http://schemas.microsoft.com/office/drawing/2010/main" val="0"/>
-              </a:ext>
-            </a:extLst>
-          </a:blip>
-          <a:stretch>
-            <a:fillRect/>
-          </a:stretch>
-        </p:blipFill>
-        <p:spPr>
-          <a:xfrm>
-            <a:off x="1525853" y="2160588"/>
-            <a:ext cx="6900332" cy="3881437"/>
-          </a:xfrm>
-        </p:spPr>
-      </p:pic>
-    </p:spTree>
-    <p:extLst>
-      <p:ext uri="{BB962C8B-B14F-4D97-AF65-F5344CB8AC3E}">
-        <p14:creationId xmlns:p14="http://schemas.microsoft.com/office/powerpoint/2010/main" val="2070131292"/>
-      </p:ext>
-    </p:extLst>
-  </p:cSld>
-  <p:clrMapOvr>
-    <a:masterClrMapping/>
-  </p:clrMapOvr>
-</p:sld>
-</file>
-
-<file path=ppt/slides/slide15.xml><?xml version="1.0" encoding="utf-8"?>
-<p:sld xmlns:a="http://schemas.openxmlformats.org/drawingml/2006/main" xmlns:r="http://schemas.openxmlformats.org/officeDocument/2006/relationships" xmlns:p="http://schemas.openxmlformats.org/presentationml/2006/main">
-  <p:cSld>
-    <p:spTree>
-      <p:nvGrpSpPr>
-        <p:cNvPr id="1" name=""/>
-        <p:cNvGrpSpPr/>
-        <p:nvPr/>
-      </p:nvGrpSpPr>
-      <p:grpSpPr>
-        <a:xfrm>
-          <a:off x="0" y="0"/>
-          <a:ext cx="0" cy="0"/>
-          <a:chOff x="0" y="0"/>
-          <a:chExt cx="0" cy="0"/>
-        </a:xfrm>
-      </p:grpSpPr>
-      <p:sp>
-        <p:nvSpPr>
-          <p:cNvPr id="2" name="제목 1"/>
-          <p:cNvSpPr>
-            <a:spLocks noGrp="1"/>
-          </p:cNvSpPr>
-          <p:nvPr>
-            <p:ph type="title"/>
-          </p:nvPr>
-        </p:nvSpPr>
-        <p:spPr/>
-        <p:txBody>
-          <a:bodyPr>
-            <a:normAutofit fontScale="90000"/>
-          </a:bodyPr>
-          <a:lstStyle/>
-          <a:p>
-            <a:r>
-              <a:rPr lang="ko-KR" altLang="en-US" dirty="0" err="1"/>
-              <a:t>도메인주소</a:t>
-            </a:r>
-            <a:r>
-              <a:rPr lang="ko-KR" altLang="en-US" dirty="0"/>
-              <a:t> 이후에 </a:t>
-            </a:r>
-            <a:r>
-              <a:rPr lang="ko-KR" altLang="en-US" dirty="0" err="1"/>
-              <a:t>모든값을</a:t>
-            </a:r>
-            <a:r>
-              <a:rPr lang="ko-KR" altLang="en-US" dirty="0"/>
-              <a:t> </a:t>
-            </a:r>
-            <a:r>
-              <a:rPr lang="ko-KR" altLang="en-US" dirty="0" err="1"/>
-              <a:t>읽을수</a:t>
-            </a:r>
-            <a:r>
-              <a:rPr lang="ko-KR" altLang="en-US" dirty="0"/>
-              <a:t> 있는 화면</a:t>
-            </a:r>
-            <a:br>
-              <a:rPr lang="ko-KR" altLang="en-US" dirty="0"/>
-            </a:br>
-            <a:endParaRPr lang="ko-KR" altLang="en-US" dirty="0"/>
-          </a:p>
-        </p:txBody>
-      </p:sp>
-      <p:pic>
-        <p:nvPicPr>
-          <p:cNvPr id="4" name="내용 개체 틀 3"/>
-          <p:cNvPicPr>
-            <a:picLocks noGrp="1" noChangeAspect="1"/>
-          </p:cNvPicPr>
-          <p:nvPr>
-            <p:ph idx="1"/>
-          </p:nvPr>
-        </p:nvPicPr>
-        <p:blipFill>
-          <a:blip r:embed="rId2">
-            <a:extLst>
-              <a:ext uri="{28A0092B-C50C-407E-A947-70E740481C1C}">
-                <a14:useLocalDpi xmlns:a14="http://schemas.microsoft.com/office/drawing/2010/main" val="0"/>
-              </a:ext>
-            </a:extLst>
-          </a:blip>
-          <a:stretch>
-            <a:fillRect/>
-          </a:stretch>
-        </p:blipFill>
-        <p:spPr>
-          <a:xfrm>
-            <a:off x="1525853" y="2160588"/>
-            <a:ext cx="6900332" cy="3881437"/>
-          </a:xfrm>
-        </p:spPr>
-      </p:pic>
-    </p:spTree>
-    <p:extLst>
-      <p:ext uri="{BB962C8B-B14F-4D97-AF65-F5344CB8AC3E}">
-        <p14:creationId xmlns:p14="http://schemas.microsoft.com/office/powerpoint/2010/main" val="2778752564"/>
-      </p:ext>
-    </p:extLst>
-  </p:cSld>
-  <p:clrMapOvr>
-    <a:masterClrMapping/>
-  </p:clrMapOvr>
-</p:sld>
-</file>
-
-<file path=ppt/slides/slide16.xml><?xml version="1.0" encoding="utf-8"?>
-<p:sld xmlns:a="http://schemas.openxmlformats.org/drawingml/2006/main" xmlns:r="http://schemas.openxmlformats.org/officeDocument/2006/relationships" xmlns:p="http://schemas.openxmlformats.org/presentationml/2006/main">
-  <p:cSld>
-    <p:spTree>
-      <p:nvGrpSpPr>
-        <p:cNvPr id="1" name=""/>
-        <p:cNvGrpSpPr/>
-        <p:nvPr/>
-      </p:nvGrpSpPr>
-      <p:grpSpPr>
-        <a:xfrm>
-          <a:off x="0" y="0"/>
-          <a:ext cx="0" cy="0"/>
-          <a:chOff x="0" y="0"/>
-          <a:chExt cx="0" cy="0"/>
-        </a:xfrm>
-      </p:grpSpPr>
-      <p:sp>
-        <p:nvSpPr>
-          <p:cNvPr id="2" name="제목 1"/>
-          <p:cNvSpPr>
-            <a:spLocks noGrp="1"/>
-          </p:cNvSpPr>
-          <p:nvPr>
-            <p:ph type="title"/>
-          </p:nvPr>
-        </p:nvSpPr>
-        <p:spPr/>
-        <p:txBody>
-          <a:bodyPr/>
-          <a:lstStyle/>
-          <a:p>
-            <a:r>
-              <a:rPr lang="ko-KR" altLang="en-US" dirty="0"/>
-              <a:t>부트스트랩 테마를 나타내는 화면 </a:t>
-            </a:r>
-            <a:br>
-              <a:rPr lang="ko-KR" altLang="en-US" dirty="0"/>
-            </a:br>
-            <a:endParaRPr lang="ko-KR" altLang="en-US" dirty="0"/>
-          </a:p>
-        </p:txBody>
-      </p:sp>
-      <p:pic>
-        <p:nvPicPr>
-          <p:cNvPr id="4" name="내용 개체 틀 3"/>
-          <p:cNvPicPr>
-            <a:picLocks noGrp="1" noChangeAspect="1"/>
-          </p:cNvPicPr>
-          <p:nvPr>
-            <p:ph idx="1"/>
-          </p:nvPr>
-        </p:nvPicPr>
-        <p:blipFill>
-          <a:blip r:embed="rId2">
-            <a:extLst>
-              <a:ext uri="{28A0092B-C50C-407E-A947-70E740481C1C}">
-                <a14:useLocalDpi xmlns:a14="http://schemas.microsoft.com/office/drawing/2010/main" val="0"/>
-              </a:ext>
-            </a:extLst>
-          </a:blip>
-          <a:stretch>
-            <a:fillRect/>
-          </a:stretch>
-        </p:blipFill>
-        <p:spPr>
-          <a:xfrm>
-            <a:off x="1525853" y="2160588"/>
-            <a:ext cx="6900332" cy="3881437"/>
-          </a:xfrm>
-        </p:spPr>
-      </p:pic>
-    </p:spTree>
-    <p:extLst>
-      <p:ext uri="{BB962C8B-B14F-4D97-AF65-F5344CB8AC3E}">
-        <p14:creationId xmlns:p14="http://schemas.microsoft.com/office/powerpoint/2010/main" val="1182935745"/>
+        <p14:creationId xmlns:p14="http://schemas.microsoft.com/office/powerpoint/2010/main" val="1721356789"/>
       </p:ext>
     </p:extLst>
   </p:cSld>
@@ -6576,19 +6297,19 @@
           <a:p>
             <a:r>
               <a:rPr lang="en-US" altLang="ko-KR" dirty="0"/>
-              <a:t>Gitbash </a:t>
+              <a:t>1. </a:t>
+            </a:r>
+            <a:r>
+              <a:rPr lang="ko-KR" altLang="en-US" dirty="0" err="1"/>
+              <a:t>깃허브에</a:t>
             </a:r>
             <a:r>
               <a:rPr lang="ko-KR" altLang="en-US" dirty="0"/>
-              <a:t>로 </a:t>
-            </a:r>
-            <a:r>
-              <a:rPr lang="ko-KR" altLang="en-US" dirty="0" err="1"/>
-              <a:t>파일열어서</a:t>
-            </a:r>
-            <a:r>
-              <a:rPr lang="ko-KR" altLang="en-US" dirty="0"/>
-              <a:t> 수정하기</a:t>
+              <a:t> 파일을 올린 장면이다</a:t>
+            </a:r>
+            <a:r>
+              <a:rPr lang="en-US" altLang="ko-KR" dirty="0"/>
+              <a:t>.</a:t>
             </a:r>
             <a:endParaRPr lang="ko-KR" altLang="en-US" dirty="0"/>
           </a:p>
@@ -6618,15 +6339,15 @@
         </p:blipFill>
         <p:spPr>
           <a:xfrm>
-            <a:off x="1525853" y="2160588"/>
-            <a:ext cx="6900332" cy="3881437"/>
+            <a:off x="1516242" y="2160588"/>
+            <a:ext cx="6919553" cy="3881437"/>
           </a:xfrm>
         </p:spPr>
       </p:pic>
     </p:spTree>
     <p:extLst>
       <p:ext uri="{BB962C8B-B14F-4D97-AF65-F5344CB8AC3E}">
-        <p14:creationId xmlns:p14="http://schemas.microsoft.com/office/powerpoint/2010/main" val="3887967824"/>
+        <p14:creationId xmlns:p14="http://schemas.microsoft.com/office/powerpoint/2010/main" val="1649958030"/>
       </p:ext>
     </p:extLst>
   </p:cSld>
@@ -6665,37 +6386,30 @@
         </p:nvSpPr>
         <p:spPr/>
         <p:txBody>
-          <a:bodyPr/>
-          <a:lstStyle/>
-          <a:p>
+          <a:bodyPr>
+            <a:normAutofit/>
+          </a:bodyPr>
+          <a:lstStyle/>
+          <a:p>
+            <a:r>
+              <a:rPr lang="en-US" altLang="ko-KR" dirty="0"/>
+              <a:t>2. </a:t>
+            </a:r>
+            <a:r>
+              <a:rPr lang="ko-KR" altLang="en-US" dirty="0" err="1"/>
+              <a:t>경로설정을</a:t>
+            </a:r>
             <a:r>
               <a:rPr lang="ko-KR" altLang="en-US" dirty="0"/>
-              <a:t>파일이 변경이 </a:t>
-            </a:r>
-            <a:r>
-              <a:rPr lang="ko-KR" altLang="en-US" dirty="0" err="1"/>
-              <a:t>된것을</a:t>
-            </a:r>
-            <a:r>
-              <a:rPr lang="ko-KR" altLang="en-US" dirty="0"/>
-              <a:t> </a:t>
+              <a:t> 하여 파일을 여는 코드이다</a:t>
             </a:r>
             <a:r>
               <a:rPr lang="en-US" altLang="ko-KR" dirty="0"/>
-              <a:t>git status</a:t>
-            </a:r>
-            <a:r>
-              <a:rPr lang="ko-KR" altLang="en-US" dirty="0"/>
-              <a:t>로 </a:t>
-            </a:r>
-            <a:r>
-              <a:rPr lang="ko-KR" altLang="en-US" dirty="0" err="1" smtClean="0"/>
-              <a:t>알수있다</a:t>
-            </a:r>
-            <a:r>
-              <a:rPr lang="en-US" altLang="ko-KR" dirty="0" smtClean="0"/>
               <a:t>.</a:t>
             </a:r>
+            <a:br>
+              <a:rPr lang="en-US" altLang="ko-KR" dirty="0"/>
+            </a:br>
             <a:endParaRPr lang="ko-KR" altLang="en-US" dirty="0"/>
           </a:p>
         </p:txBody>
@@ -6724,15 +6438,15 @@
         </p:blipFill>
         <p:spPr>
           <a:xfrm>
-            <a:off x="1525853" y="2160588"/>
-            <a:ext cx="6900332" cy="3881437"/>
+            <a:off x="1522443" y="2160588"/>
+            <a:ext cx="6907152" cy="3881437"/>
           </a:xfrm>
         </p:spPr>
       </p:pic>
     </p:spTree>
     <p:extLst>
       <p:ext uri="{BB962C8B-B14F-4D97-AF65-F5344CB8AC3E}">
-        <p14:creationId xmlns:p14="http://schemas.microsoft.com/office/powerpoint/2010/main" val="3883013936"/>
+        <p14:creationId xmlns:p14="http://schemas.microsoft.com/office/powerpoint/2010/main" val="1292798622"/>
       </p:ext>
     </p:extLst>
   </p:cSld>
@@ -6775,16 +6489,27 @@
           <a:lstStyle/>
           <a:p>
             <a:r>
+              <a:rPr lang="en-US" altLang="ko-KR" dirty="0"/>
+              <a:t>3. </a:t>
+            </a:r>
+            <a:r>
               <a:rPr lang="ko-KR" altLang="en-US" dirty="0"/>
-              <a:t>설정을 해놓고 사진을 찍기</a:t>
-            </a:r>
+              <a:t>경로를 변경하여 파일을 열어 보았다</a:t>
+            </a:r>
+            <a:r>
+              <a:rPr lang="en-US" altLang="ko-KR" dirty="0"/>
+              <a:t>.</a:t>
+            </a:r>
+            <a:br>
+              <a:rPr lang="en-US" altLang="ko-KR" dirty="0"/>
+            </a:br>
             <a:endParaRPr lang="ko-KR" altLang="en-US" dirty="0"/>
           </a:p>
         </p:txBody>
       </p:sp>
       <p:pic>
         <p:nvPicPr>
-          <p:cNvPr id="5" name="내용 개체 틀 4"/>
+          <p:cNvPr id="4" name="내용 개체 틀 3"/>
           <p:cNvPicPr>
             <a:picLocks noGrp="1" noChangeAspect="1"/>
           </p:cNvPicPr>
@@ -6806,15 +6531,15 @@
         </p:blipFill>
         <p:spPr>
           <a:xfrm>
-            <a:off x="1525853" y="2160588"/>
-            <a:ext cx="6900332" cy="3881437"/>
+            <a:off x="1487087" y="2160588"/>
+            <a:ext cx="6977864" cy="3881437"/>
           </a:xfrm>
         </p:spPr>
       </p:pic>
     </p:spTree>
     <p:extLst>
       <p:ext uri="{BB962C8B-B14F-4D97-AF65-F5344CB8AC3E}">
-        <p14:creationId xmlns:p14="http://schemas.microsoft.com/office/powerpoint/2010/main" val="3170951153"/>
+        <p14:creationId xmlns:p14="http://schemas.microsoft.com/office/powerpoint/2010/main" val="1534630239"/>
       </p:ext>
     </p:extLst>
   </p:cSld>
@@ -6857,13 +6582,20 @@
           <a:lstStyle/>
           <a:p>
             <a:r>
+              <a:rPr lang="en-US" altLang="ko-KR" dirty="0"/>
+              <a:t>4. </a:t>
+            </a:r>
+            <a:r>
               <a:rPr lang="ko-KR" altLang="en-US" dirty="0"/>
-              <a:t>터미널에서 </a:t>
-            </a:r>
-            <a:r>
-              <a:rPr lang="ko-KR" altLang="en-US" dirty="0" err="1"/>
-              <a:t>서버열기</a:t>
-            </a:r>
+              <a:t>이미지를 출력한 장면이다</a:t>
+            </a:r>
+            <a:r>
+              <a:rPr lang="en-US" altLang="ko-KR" dirty="0"/>
+              <a:t>.</a:t>
+            </a:r>
+            <a:br>
+              <a:rPr lang="en-US" altLang="ko-KR" dirty="0"/>
+            </a:br>
             <a:endParaRPr lang="ko-KR" altLang="en-US" dirty="0"/>
           </a:p>
         </p:txBody>
@@ -6892,15 +6624,15 @@
         </p:blipFill>
         <p:spPr>
           <a:xfrm>
-            <a:off x="798723" y="2615199"/>
-            <a:ext cx="8354591" cy="2972215"/>
+            <a:off x="1536635" y="2160588"/>
+            <a:ext cx="6878768" cy="3881437"/>
           </a:xfrm>
         </p:spPr>
       </p:pic>
     </p:spTree>
     <p:extLst>
       <p:ext uri="{BB962C8B-B14F-4D97-AF65-F5344CB8AC3E}">
-        <p14:creationId xmlns:p14="http://schemas.microsoft.com/office/powerpoint/2010/main" val="2261709249"/>
+        <p14:creationId xmlns:p14="http://schemas.microsoft.com/office/powerpoint/2010/main" val="111005032"/>
       </p:ext>
     </p:extLst>
   </p:cSld>
@@ -6944,12 +6676,23 @@
           <a:p>
             <a:r>
               <a:rPr lang="en-US" altLang="ko-KR" dirty="0"/>
-              <a:t>phpinfo()</a:t>
+              <a:t>5. </a:t>
+            </a:r>
+            <a:r>
+              <a:rPr lang="ko-KR" altLang="en-US" dirty="0" err="1"/>
+              <a:t>파일목록을</a:t>
             </a:r>
             <a:r>
               <a:rPr lang="ko-KR" altLang="en-US" dirty="0"/>
-              <a:t>함수를 사용한 화면</a:t>
-            </a:r>
+              <a:t> 출력하는 장면이다</a:t>
+            </a:r>
+            <a:r>
+              <a:rPr lang="en-US" altLang="ko-KR" dirty="0"/>
+              <a:t>.</a:t>
+            </a:r>
+            <a:br>
+              <a:rPr lang="en-US" altLang="ko-KR" dirty="0"/>
+            </a:br>
             <a:endParaRPr lang="ko-KR" altLang="en-US" dirty="0"/>
           </a:p>
         </p:txBody>
@@ -6986,7 +6729,7 @@
     </p:spTree>
     <p:extLst>
       <p:ext uri="{BB962C8B-B14F-4D97-AF65-F5344CB8AC3E}">
-        <p14:creationId xmlns:p14="http://schemas.microsoft.com/office/powerpoint/2010/main" val="3066688963"/>
+        <p14:creationId xmlns:p14="http://schemas.microsoft.com/office/powerpoint/2010/main" val="3156404722"/>
       </p:ext>
     </p:extLst>
   </p:cSld>
@@ -7030,12 +6773,35 @@
           <a:p>
             <a:r>
               <a:rPr lang="en-US" altLang="ko-KR" dirty="0"/>
-              <a:t>const </a:t>
+              <a:t>6. </a:t>
             </a:r>
             <a:r>
               <a:rPr lang="ko-KR" altLang="en-US" dirty="0"/>
-              <a:t>함수를 사용한 화면</a:t>
-            </a:r>
+              <a:t>문자와 문자를 </a:t>
+            </a:r>
+            <a:r>
+              <a:rPr lang="ko-KR" altLang="en-US" dirty="0" err="1"/>
+              <a:t>더할때는</a:t>
+            </a:r>
+            <a:r>
+              <a:rPr lang="ko-KR" altLang="en-US" dirty="0"/>
+              <a:t> </a:t>
+            </a:r>
+            <a:r>
+              <a:rPr lang="en-US" altLang="ko-KR" dirty="0"/>
+              <a:t>'.'</a:t>
+            </a:r>
+            <a:r>
+              <a:rPr lang="ko-KR" altLang="en-US" dirty="0" err="1"/>
+              <a:t>을사용한다</a:t>
+            </a:r>
+            <a:r>
+              <a:rPr lang="en-US" altLang="ko-KR" dirty="0"/>
+              <a:t>.</a:t>
+            </a:r>
+            <a:br>
+              <a:rPr lang="en-US" altLang="ko-KR" dirty="0"/>
+            </a:br>
             <a:endParaRPr lang="ko-KR" altLang="en-US" dirty="0"/>
           </a:p>
         </p:txBody>
@@ -7072,7 +6838,7 @@
     </p:spTree>
     <p:extLst>
       <p:ext uri="{BB962C8B-B14F-4D97-AF65-F5344CB8AC3E}">
-        <p14:creationId xmlns:p14="http://schemas.microsoft.com/office/powerpoint/2010/main" val="1070783239"/>
+        <p14:creationId xmlns:p14="http://schemas.microsoft.com/office/powerpoint/2010/main" val="711374488"/>
       </p:ext>
     </p:extLst>
   </p:cSld>
@@ -7116,19 +6882,26 @@
           <a:p>
             <a:r>
               <a:rPr lang="en-US" altLang="ko-KR" dirty="0"/>
-              <a:t>define </a:t>
+              <a:t>7. </a:t>
             </a:r>
             <a:r>
               <a:rPr lang="ko-KR" altLang="en-US" dirty="0"/>
-              <a:t>함수를 사용한 화면</a:t>
-            </a:r>
+              <a:t>함수를 사용하여 출력하였다</a:t>
+            </a:r>
+            <a:r>
+              <a:rPr lang="en-US" altLang="ko-KR" dirty="0"/>
+              <a:t>.</a:t>
+            </a:r>
+            <a:br>
+              <a:rPr lang="en-US" altLang="ko-KR" dirty="0"/>
+            </a:br>
             <a:endParaRPr lang="ko-KR" altLang="en-US" dirty="0"/>
           </a:p>
         </p:txBody>
       </p:sp>
       <p:pic>
         <p:nvPicPr>
-          <p:cNvPr id="4" name="내용 개체 틀 3"/>
+          <p:cNvPr id="5" name="내용 개체 틀 4"/>
           <p:cNvPicPr>
             <a:picLocks noGrp="1" noChangeAspect="1"/>
           </p:cNvPicPr>
@@ -7158,7 +6931,7 @@
     </p:spTree>
     <p:extLst>
       <p:ext uri="{BB962C8B-B14F-4D97-AF65-F5344CB8AC3E}">
-        <p14:creationId xmlns:p14="http://schemas.microsoft.com/office/powerpoint/2010/main" val="55022559"/>
+        <p14:creationId xmlns:p14="http://schemas.microsoft.com/office/powerpoint/2010/main" val="2949034661"/>
       </p:ext>
     </p:extLst>
   </p:cSld>
@@ -7197,17 +6970,34 @@
         </p:nvSpPr>
         <p:spPr/>
         <p:txBody>
-          <a:bodyPr/>
-          <a:lstStyle/>
-          <a:p>
+          <a:bodyPr>
+            <a:normAutofit fontScale="90000"/>
+          </a:bodyPr>
+          <a:lstStyle/>
+          <a:p>
+            <a:r>
+              <a:rPr lang="en-US" altLang="ko-KR" dirty="0"/>
+              <a:t>8. </a:t>
+            </a:r>
             <a:r>
               <a:rPr lang="ko-KR" altLang="en-US" dirty="0" err="1"/>
-              <a:t>정의되어있는</a:t>
+              <a:t>인자값이</a:t>
             </a:r>
             <a:r>
               <a:rPr lang="ko-KR" altLang="en-US" dirty="0"/>
-              <a:t> 모든 함수를 가져온 화면</a:t>
-            </a:r>
+              <a:t> 자바스크립트 실행가능 </a:t>
+            </a:r>
+            <a:r>
+              <a:rPr lang="en-US" altLang="ko-KR" dirty="0"/>
+              <a:t>php</a:t>
+            </a:r>
+            <a:r>
+              <a:rPr lang="ko-KR" altLang="en-US" dirty="0"/>
+              <a:t>실행 불가능하다</a:t>
+            </a:r>
+            <a:br>
+              <a:rPr lang="ko-KR" altLang="en-US" dirty="0"/>
+            </a:br>
             <a:endParaRPr lang="ko-KR" altLang="en-US" dirty="0"/>
           </a:p>
         </p:txBody>
@@ -7236,15 +7026,15 @@
         </p:blipFill>
         <p:spPr>
           <a:xfrm>
-            <a:off x="1525853" y="2160588"/>
-            <a:ext cx="6900332" cy="3881437"/>
+            <a:off x="1527054" y="2160588"/>
+            <a:ext cx="6897929" cy="3881437"/>
           </a:xfrm>
         </p:spPr>
       </p:pic>
     </p:spTree>
     <p:extLst>
       <p:ext uri="{BB962C8B-B14F-4D97-AF65-F5344CB8AC3E}">
-        <p14:creationId xmlns:p14="http://schemas.microsoft.com/office/powerpoint/2010/main" val="3701778256"/>
+        <p14:creationId xmlns:p14="http://schemas.microsoft.com/office/powerpoint/2010/main" val="4216912056"/>
       </p:ext>
     </p:extLst>
   </p:cSld>
